--- a/IBM ppt b1.pptx
+++ b/IBM ppt b1.pptx
@@ -5,7 +5,7 @@
     <p:sldMasterId id="2147483648" r:id="rId1"/>
   </p:sldMasterIdLst>
   <p:notesMasterIdLst>
-    <p:notesMasterId r:id="rId13"/>
+    <p:notesMasterId r:id="rId15"/>
   </p:notesMasterIdLst>
   <p:sldIdLst>
     <p:sldId id="257" r:id="rId3"/>
@@ -17,7 +17,9 @@
     <p:sldId id="264" r:id="rId9"/>
     <p:sldId id="265" r:id="rId10"/>
     <p:sldId id="267" r:id="rId11"/>
-    <p:sldId id="266" r:id="rId12"/>
+    <p:sldId id="269" r:id="rId12"/>
+    <p:sldId id="270" r:id="rId13"/>
+    <p:sldId id="266" r:id="rId14"/>
   </p:sldIdLst>
   <p:sldSz cx="12192000" cy="6858000"/>
   <p:notesSz cx="6858000" cy="9144000"/>
@@ -4338,6 +4340,251 @@
         <p:cNvGrpSpPr/>
         <p:nvPr/>
       </p:nvGrpSpPr>
+      <p:grpSpPr/>
+      <p:sp>
+        <p:nvSpPr>
+          <p:cNvPr id="2" name="Title 1"/>
+          <p:cNvSpPr>
+            <a:spLocks noGrp="1"/>
+          </p:cNvSpPr>
+          <p:nvPr>
+            <p:ph type="title"/>
+          </p:nvPr>
+        </p:nvSpPr>
+        <p:spPr/>
+        <p:txBody>
+          <a:bodyPr/>
+          <a:p>
+            <a:r>
+              <a:rPr lang="en-US"/>
+              <a:t>CODE Snapshots </a:t>
+            </a:r>
+            <a:br>
+              <a:rPr lang="en-US"/>
+            </a:br>
+            <a:endParaRPr lang="en-US"/>
+          </a:p>
+        </p:txBody>
+      </p:sp>
+      <p:pic>
+        <p:nvPicPr>
+          <p:cNvPr id="4" name="Content Placeholder 3"/>
+          <p:cNvPicPr>
+            <a:picLocks noChangeAspect="1"/>
+          </p:cNvPicPr>
+          <p:nvPr>
+            <p:ph sz="half" idx="1"/>
+          </p:nvPr>
+        </p:nvPicPr>
+        <p:blipFill>
+          <a:blip r:embed="rId1"/>
+          <a:stretch>
+            <a:fillRect/>
+          </a:stretch>
+        </p:blipFill>
+        <p:spPr>
+          <a:xfrm>
+            <a:off x="213360" y="1795780"/>
+            <a:ext cx="5882640" cy="3479800"/>
+          </a:xfrm>
+          <a:prstGeom prst="rect">
+            <a:avLst/>
+          </a:prstGeom>
+        </p:spPr>
+      </p:pic>
+      <p:pic>
+        <p:nvPicPr>
+          <p:cNvPr id="5" name="Content Placeholder 4"/>
+          <p:cNvPicPr>
+            <a:picLocks noChangeAspect="1"/>
+          </p:cNvPicPr>
+          <p:nvPr>
+            <p:ph sz="half" idx="2"/>
+          </p:nvPr>
+        </p:nvPicPr>
+        <p:blipFill>
+          <a:blip r:embed="rId2"/>
+          <a:stretch>
+            <a:fillRect/>
+          </a:stretch>
+        </p:blipFill>
+        <p:spPr>
+          <a:xfrm>
+            <a:off x="6174740" y="2929890"/>
+            <a:ext cx="5864225" cy="2345690"/>
+          </a:xfrm>
+          <a:prstGeom prst="rect">
+            <a:avLst/>
+          </a:prstGeom>
+        </p:spPr>
+      </p:pic>
+      <p:sp>
+        <p:nvSpPr>
+          <p:cNvPr id="6" name="Text Box 5"/>
+          <p:cNvSpPr txBox="1"/>
+          <p:nvPr/>
+        </p:nvSpPr>
+        <p:spPr>
+          <a:xfrm>
+            <a:off x="1720215" y="5353685"/>
+            <a:ext cx="3136900" cy="368300"/>
+          </a:xfrm>
+          <a:prstGeom prst="rect">
+            <a:avLst/>
+          </a:prstGeom>
+          <a:noFill/>
+        </p:spPr>
+        <p:txBody>
+          <a:bodyPr wrap="square" rtlCol="0">
+            <a:spAutoFit/>
+          </a:bodyPr>
+          <a:p>
+            <a:r>
+              <a:rPr lang="en-US" b="1"/>
+              <a:t>FLASK APP CODE </a:t>
+            </a:r>
+            <a:endParaRPr lang="en-US" b="1"/>
+          </a:p>
+        </p:txBody>
+      </p:sp>
+      <p:sp>
+        <p:nvSpPr>
+          <p:cNvPr id="7" name="Text Box 6"/>
+          <p:cNvSpPr txBox="1"/>
+          <p:nvPr/>
+        </p:nvSpPr>
+        <p:spPr>
+          <a:xfrm>
+            <a:off x="8686165" y="5353685"/>
+            <a:ext cx="2585720" cy="368300"/>
+          </a:xfrm>
+          <a:prstGeom prst="rect">
+            <a:avLst/>
+          </a:prstGeom>
+          <a:noFill/>
+        </p:spPr>
+        <p:txBody>
+          <a:bodyPr wrap="square" rtlCol="0">
+            <a:spAutoFit/>
+          </a:bodyPr>
+          <a:p>
+            <a:r>
+              <a:rPr lang="en-US" b="1"/>
+              <a:t>NLP Code</a:t>
+            </a:r>
+            <a:endParaRPr lang="en-US" b="1"/>
+          </a:p>
+        </p:txBody>
+      </p:sp>
+    </p:spTree>
+  </p:cSld>
+  <p:clrMapOvr>
+    <a:masterClrMapping/>
+  </p:clrMapOvr>
+</p:sld>
+</file>
+
+<file path=ppt/slides/slide11.xml><?xml version="1.0" encoding="utf-8"?>
+<p:sld xmlns:a="http://schemas.openxmlformats.org/drawingml/2006/main" xmlns:r="http://schemas.openxmlformats.org/officeDocument/2006/relationships" xmlns:p="http://schemas.openxmlformats.org/presentationml/2006/main">
+  <p:cSld>
+    <p:spTree>
+      <p:nvGrpSpPr>
+        <p:cNvPr id="1" name=""/>
+        <p:cNvGrpSpPr/>
+        <p:nvPr/>
+      </p:nvGrpSpPr>
+      <p:grpSpPr/>
+      <p:sp>
+        <p:nvSpPr>
+          <p:cNvPr id="2" name="Title 1"/>
+          <p:cNvSpPr>
+            <a:spLocks noGrp="1"/>
+          </p:cNvSpPr>
+          <p:nvPr>
+            <p:ph type="title"/>
+          </p:nvPr>
+        </p:nvSpPr>
+        <p:spPr/>
+        <p:txBody>
+          <a:bodyPr/>
+          <a:p>
+            <a:r>
+              <a:rPr lang="en-US"/>
+              <a:t>Output snaps</a:t>
+            </a:r>
+            <a:endParaRPr lang="en-US"/>
+          </a:p>
+        </p:txBody>
+      </p:sp>
+      <p:pic>
+        <p:nvPicPr>
+          <p:cNvPr id="5" name="Content Placeholder 4"/>
+          <p:cNvPicPr>
+            <a:picLocks noChangeAspect="1"/>
+          </p:cNvPicPr>
+          <p:nvPr>
+            <p:ph sz="half" idx="1"/>
+          </p:nvPr>
+        </p:nvPicPr>
+        <p:blipFill>
+          <a:blip r:embed="rId1"/>
+          <a:stretch>
+            <a:fillRect/>
+          </a:stretch>
+        </p:blipFill>
+        <p:spPr>
+          <a:xfrm>
+            <a:off x="960755" y="2228215"/>
+            <a:ext cx="4434840" cy="3632835"/>
+          </a:xfrm>
+          <a:prstGeom prst="rect">
+            <a:avLst/>
+          </a:prstGeom>
+        </p:spPr>
+      </p:pic>
+      <p:pic>
+        <p:nvPicPr>
+          <p:cNvPr id="6" name="Content Placeholder 5"/>
+          <p:cNvPicPr>
+            <a:picLocks noChangeAspect="1"/>
+          </p:cNvPicPr>
+          <p:nvPr>
+            <p:ph sz="half" idx="2"/>
+          </p:nvPr>
+        </p:nvPicPr>
+        <p:blipFill>
+          <a:blip r:embed="rId2"/>
+          <a:stretch>
+            <a:fillRect/>
+          </a:stretch>
+        </p:blipFill>
+        <p:spPr>
+          <a:xfrm>
+            <a:off x="6902450" y="2228215"/>
+            <a:ext cx="4220845" cy="3632835"/>
+          </a:xfrm>
+          <a:prstGeom prst="rect">
+            <a:avLst/>
+          </a:prstGeom>
+        </p:spPr>
+      </p:pic>
+    </p:spTree>
+  </p:cSld>
+  <p:clrMapOvr>
+    <a:masterClrMapping/>
+  </p:clrMapOvr>
+</p:sld>
+</file>
+
+<file path=ppt/slides/slide12.xml><?xml version="1.0" encoding="utf-8"?>
+<p:sld xmlns:a="http://schemas.openxmlformats.org/drawingml/2006/main" xmlns:r="http://schemas.openxmlformats.org/officeDocument/2006/relationships" xmlns:p="http://schemas.openxmlformats.org/presentationml/2006/main">
+  <p:cSld>
+    <p:spTree>
+      <p:nvGrpSpPr>
+        <p:cNvPr id="1" name=""/>
+        <p:cNvGrpSpPr/>
+        <p:nvPr/>
+      </p:nvGrpSpPr>
       <p:grpSpPr>
         <a:xfrm>
           <a:off x="0" y="0"/>
@@ -4394,6 +4641,20 @@
           <a:bodyPr/>
           <a:lstStyle/>
           <a:p>
+            <a:r>
+              <a:rPr lang="en-US" b="1"/>
+              <a:t>Project Link</a:t>
+            </a:r>
+            <a:r>
+              <a:rPr lang="en-US"/>
+              <a:t> : https://github.com/Dheeerazzz/Feedback-Sentiment-Analysis</a:t>
+            </a:r>
+            <a:endParaRPr lang="en-US"/>
+          </a:p>
+          <a:p>
+            <a:pPr marL="0" indent="0">
+              <a:buNone/>
+            </a:pPr>
             <a:endParaRPr lang="en-US"/>
           </a:p>
         </p:txBody>
@@ -5272,12 +5533,7 @@
             <p:ph type="title"/>
           </p:nvPr>
         </p:nvSpPr>
-        <p:spPr>
-          <a:xfrm>
-            <a:off x="581191" y="493812"/>
-            <a:ext cx="11029616" cy="1188720"/>
-          </a:xfrm>
-        </p:spPr>
+        <p:spPr/>
         <p:txBody>
           <a:bodyPr anchor="ctr"/>
           <a:lstStyle/>
@@ -5297,15 +5553,10 @@
             <a:spLocks noGrp="1"/>
           </p:cNvSpPr>
           <p:nvPr>
-            <p:ph idx="1"/>
-          </p:nvPr>
-        </p:nvSpPr>
-        <p:spPr>
-          <a:xfrm>
-            <a:off x="581025" y="1682115"/>
-            <a:ext cx="11029315" cy="4027170"/>
-          </a:xfrm>
-        </p:spPr>
+            <p:ph sz="half" idx="1"/>
+          </p:nvPr>
+        </p:nvSpPr>
+        <p:spPr/>
         <p:txBody>
           <a:bodyPr/>
           <a:lstStyle/>
@@ -5346,6 +5597,32 @@
           </a:p>
         </p:txBody>
       </p:sp>
+      <p:pic>
+        <p:nvPicPr>
+          <p:cNvPr id="4" name="Content Placeholder 3"/>
+          <p:cNvPicPr>
+            <a:picLocks noChangeAspect="1"/>
+          </p:cNvPicPr>
+          <p:nvPr>
+            <p:ph sz="half" idx="2"/>
+          </p:nvPr>
+        </p:nvPicPr>
+        <p:blipFill>
+          <a:blip r:embed="rId1"/>
+          <a:stretch>
+            <a:fillRect/>
+          </a:stretch>
+        </p:blipFill>
+        <p:spPr>
+          <a:xfrm>
+            <a:off x="6726555" y="2109470"/>
+            <a:ext cx="4551680" cy="3632835"/>
+          </a:xfrm>
+          <a:prstGeom prst="rect">
+            <a:avLst/>
+          </a:prstGeom>
+        </p:spPr>
+      </p:pic>
     </p:spTree>
   </p:cSld>
   <p:clrMapOvr>
